--- a/Bot_Framework_Assignment_Ketan.pptx
+++ b/Bot_Framework_Assignment_Ketan.pptx
@@ -11,7 +11,9 @@
     <p:sldId id="268" r:id="rId5"/>
     <p:sldId id="269" r:id="rId6"/>
     <p:sldId id="270" r:id="rId7"/>
-    <p:sldId id="264" r:id="rId8"/>
+    <p:sldId id="271" r:id="rId8"/>
+    <p:sldId id="272" r:id="rId9"/>
+    <p:sldId id="264" r:id="rId10"/>
   </p:sldIdLst>
   <p:sldSz cx="12192000" cy="6858000"/>
   <p:notesSz cx="6858000" cy="9144000"/>
@@ -3109,6 +3111,13 @@
             <a:endParaRPr lang="en-US" sz="1800" dirty="0" smtClean="0"/>
           </a:p>
           <a:p>
+            <a:r>
+              <a:rPr lang="en-US" sz="1800" dirty="0" smtClean="0"/>
+              <a:t>Chat screenshots</a:t>
+            </a:r>
+            <a:endParaRPr lang="en-US" sz="1800" dirty="0" smtClean="0"/>
+          </a:p>
+          <a:p>
             <a:endParaRPr lang="en-US" sz="1800" dirty="0"/>
           </a:p>
         </p:txBody>
@@ -4204,6 +4213,389 @@
 </file>
 
 <file path=ppt/slides/slide7.xml><?xml version="1.0" encoding="utf-8"?>
+<p:sld xmlns:a="http://schemas.openxmlformats.org/drawingml/2006/main" xmlns:r="http://schemas.openxmlformats.org/officeDocument/2006/relationships" xmlns:p="http://schemas.openxmlformats.org/presentationml/2006/main">
+  <p:cSld>
+    <p:bg>
+      <p:bgPr>
+        <a:solidFill>
+          <a:schemeClr val="accent4">
+            <a:lumMod val="40000"/>
+            <a:lumOff val="60000"/>
+          </a:schemeClr>
+        </a:solidFill>
+        <a:effectLst/>
+      </p:bgPr>
+    </p:bg>
+    <p:spTree>
+      <p:nvGrpSpPr>
+        <p:cNvPr id="1" name=""/>
+        <p:cNvGrpSpPr/>
+        <p:nvPr/>
+      </p:nvGrpSpPr>
+      <p:grpSpPr>
+        <a:xfrm>
+          <a:off x="0" y="0"/>
+          <a:ext cx="0" cy="0"/>
+          <a:chOff x="0" y="0"/>
+          <a:chExt cx="0" cy="0"/>
+        </a:xfrm>
+      </p:grpSpPr>
+      <p:sp>
+        <p:nvSpPr>
+          <p:cNvPr id="2" name="Title 1"/>
+          <p:cNvSpPr>
+            <a:spLocks noGrp="1"/>
+          </p:cNvSpPr>
+          <p:nvPr>
+            <p:ph type="title"/>
+          </p:nvPr>
+        </p:nvSpPr>
+        <p:spPr>
+          <a:xfrm>
+            <a:off x="0" y="-1111982"/>
+            <a:ext cx="10515600" cy="1325563"/>
+          </a:xfrm>
+        </p:spPr>
+        <p:txBody>
+          <a:bodyPr>
+            <a:normAutofit/>
+          </a:bodyPr>
+          <a:lstStyle/>
+          <a:p>
+            <a:r>
+              <a:rPr lang="en-US" sz="3200" dirty="0" smtClean="0"/>
+              <a:t>Screenshots</a:t>
+            </a:r>
+            <a:endParaRPr lang="en-US" sz="3200" dirty="0"/>
+          </a:p>
+        </p:txBody>
+      </p:sp>
+      <p:pic>
+        <p:nvPicPr>
+          <p:cNvPr id="4" name="Content Placeholder 3"/>
+          <p:cNvPicPr>
+            <a:picLocks noGrp="1" noChangeAspect="1"/>
+          </p:cNvPicPr>
+          <p:nvPr>
+            <p:ph idx="1"/>
+          </p:nvPr>
+        </p:nvPicPr>
+        <p:blipFill>
+          <a:blip r:embed="rId2">
+            <a:extLst>
+              <a:ext uri="{28A0092B-C50C-407E-A947-70E740481C1C}">
+                <a14:useLocalDpi xmlns:a14="http://schemas.microsoft.com/office/drawing/2010/main" val="0"/>
+              </a:ext>
+            </a:extLst>
+          </a:blip>
+          <a:stretch>
+            <a:fillRect/>
+          </a:stretch>
+        </p:blipFill>
+        <p:spPr>
+          <a:xfrm>
+            <a:off x="137785" y="368324"/>
+            <a:ext cx="5728443" cy="5835527"/>
+          </a:xfrm>
+        </p:spPr>
+      </p:pic>
+      <p:pic>
+        <p:nvPicPr>
+          <p:cNvPr id="5" name="Picture 4"/>
+          <p:cNvPicPr>
+            <a:picLocks noChangeAspect="1"/>
+          </p:cNvPicPr>
+          <p:nvPr/>
+        </p:nvPicPr>
+        <p:blipFill>
+          <a:blip r:embed="rId3">
+            <a:extLst>
+              <a:ext uri="{28A0092B-C50C-407E-A947-70E740481C1C}">
+                <a14:useLocalDpi xmlns:a14="http://schemas.microsoft.com/office/drawing/2010/main" val="0"/>
+              </a:ext>
+            </a:extLst>
+          </a:blip>
+          <a:stretch>
+            <a:fillRect/>
+          </a:stretch>
+        </p:blipFill>
+        <p:spPr>
+          <a:xfrm>
+            <a:off x="6017689" y="368324"/>
+            <a:ext cx="6038323" cy="5835527"/>
+          </a:xfrm>
+          <a:prstGeom prst="rect">
+            <a:avLst/>
+          </a:prstGeom>
+        </p:spPr>
+      </p:pic>
+      <p:sp>
+        <p:nvSpPr>
+          <p:cNvPr id="8" name="TextBox 7"/>
+          <p:cNvSpPr txBox="1"/>
+          <p:nvPr/>
+        </p:nvSpPr>
+        <p:spPr>
+          <a:xfrm>
+            <a:off x="2247743" y="6358594"/>
+            <a:ext cx="1659988" cy="369332"/>
+          </a:xfrm>
+          <a:prstGeom prst="rect">
+            <a:avLst/>
+          </a:prstGeom>
+          <a:noFill/>
+        </p:spPr>
+        <p:txBody>
+          <a:bodyPr wrap="square" rtlCol="0">
+            <a:spAutoFit/>
+          </a:bodyPr>
+          <a:lstStyle/>
+          <a:p>
+            <a:r>
+              <a:rPr lang="en-US" dirty="0" smtClean="0"/>
+              <a:t>Screen:-1</a:t>
+            </a:r>
+            <a:endParaRPr lang="en-US" dirty="0"/>
+          </a:p>
+        </p:txBody>
+      </p:sp>
+      <p:sp>
+        <p:nvSpPr>
+          <p:cNvPr id="9" name="TextBox 8"/>
+          <p:cNvSpPr txBox="1"/>
+          <p:nvPr/>
+        </p:nvSpPr>
+        <p:spPr>
+          <a:xfrm>
+            <a:off x="8206856" y="6219702"/>
+            <a:ext cx="1659988" cy="369332"/>
+          </a:xfrm>
+          <a:prstGeom prst="rect">
+            <a:avLst/>
+          </a:prstGeom>
+          <a:noFill/>
+        </p:spPr>
+        <p:txBody>
+          <a:bodyPr wrap="square" rtlCol="0">
+            <a:spAutoFit/>
+          </a:bodyPr>
+          <a:lstStyle/>
+          <a:p>
+            <a:r>
+              <a:rPr lang="en-US" dirty="0" smtClean="0"/>
+              <a:t>Screen:-2</a:t>
+            </a:r>
+            <a:endParaRPr lang="en-US" dirty="0"/>
+          </a:p>
+        </p:txBody>
+      </p:sp>
+    </p:spTree>
+    <p:extLst>
+      <p:ext uri="{BB962C8B-B14F-4D97-AF65-F5344CB8AC3E}">
+        <p14:creationId xmlns:p14="http://schemas.microsoft.com/office/powerpoint/2010/main" val="3348970053"/>
+      </p:ext>
+    </p:extLst>
+  </p:cSld>
+  <p:clrMapOvr>
+    <a:masterClrMapping/>
+  </p:clrMapOvr>
+</p:sld>
+</file>
+
+<file path=ppt/slides/slide8.xml><?xml version="1.0" encoding="utf-8"?>
+<p:sld xmlns:a="http://schemas.openxmlformats.org/drawingml/2006/main" xmlns:r="http://schemas.openxmlformats.org/officeDocument/2006/relationships" xmlns:p="http://schemas.openxmlformats.org/presentationml/2006/main">
+  <p:cSld>
+    <p:bg>
+      <p:bgPr>
+        <a:solidFill>
+          <a:schemeClr val="accent4">
+            <a:lumMod val="40000"/>
+            <a:lumOff val="60000"/>
+          </a:schemeClr>
+        </a:solidFill>
+        <a:effectLst/>
+      </p:bgPr>
+    </p:bg>
+    <p:spTree>
+      <p:nvGrpSpPr>
+        <p:cNvPr id="1" name=""/>
+        <p:cNvGrpSpPr/>
+        <p:nvPr/>
+      </p:nvGrpSpPr>
+      <p:grpSpPr>
+        <a:xfrm>
+          <a:off x="0" y="0"/>
+          <a:ext cx="0" cy="0"/>
+          <a:chOff x="0" y="0"/>
+          <a:chExt cx="0" cy="0"/>
+        </a:xfrm>
+      </p:grpSpPr>
+      <p:pic>
+        <p:nvPicPr>
+          <p:cNvPr id="6" name="Content Placeholder 5"/>
+          <p:cNvPicPr>
+            <a:picLocks noGrp="1" noChangeAspect="1"/>
+          </p:cNvPicPr>
+          <p:nvPr>
+            <p:ph idx="1"/>
+          </p:nvPr>
+        </p:nvPicPr>
+        <p:blipFill>
+          <a:blip r:embed="rId2">
+            <a:extLst>
+              <a:ext uri="{28A0092B-C50C-407E-A947-70E740481C1C}">
+                <a14:useLocalDpi xmlns:a14="http://schemas.microsoft.com/office/drawing/2010/main" val="0"/>
+              </a:ext>
+            </a:extLst>
+          </a:blip>
+          <a:stretch>
+            <a:fillRect/>
+          </a:stretch>
+        </p:blipFill>
+        <p:spPr>
+          <a:xfrm>
+            <a:off x="196947" y="213581"/>
+            <a:ext cx="5765497" cy="6269448"/>
+          </a:xfrm>
+          <a:prstGeom prst="rect">
+            <a:avLst/>
+          </a:prstGeom>
+        </p:spPr>
+      </p:pic>
+      <p:pic>
+        <p:nvPicPr>
+          <p:cNvPr id="7" name="Picture 6"/>
+          <p:cNvPicPr>
+            <a:picLocks noChangeAspect="1"/>
+          </p:cNvPicPr>
+          <p:nvPr/>
+        </p:nvPicPr>
+        <p:blipFill>
+          <a:blip r:embed="rId3">
+            <a:extLst>
+              <a:ext uri="{28A0092B-C50C-407E-A947-70E740481C1C}">
+                <a14:useLocalDpi xmlns:a14="http://schemas.microsoft.com/office/drawing/2010/main" val="0"/>
+              </a:ext>
+            </a:extLst>
+          </a:blip>
+          <a:stretch>
+            <a:fillRect/>
+          </a:stretch>
+        </p:blipFill>
+        <p:spPr>
+          <a:xfrm>
+            <a:off x="6105378" y="213581"/>
+            <a:ext cx="6051366" cy="6269448"/>
+          </a:xfrm>
+          <a:prstGeom prst="rect">
+            <a:avLst/>
+          </a:prstGeom>
+        </p:spPr>
+      </p:pic>
+      <p:sp>
+        <p:nvSpPr>
+          <p:cNvPr id="8" name="Title 1"/>
+          <p:cNvSpPr>
+            <a:spLocks noGrp="1"/>
+          </p:cNvSpPr>
+          <p:nvPr>
+            <p:ph type="title"/>
+          </p:nvPr>
+        </p:nvSpPr>
+        <p:spPr>
+          <a:xfrm>
+            <a:off x="0" y="-1111982"/>
+            <a:ext cx="10515600" cy="1325563"/>
+          </a:xfrm>
+        </p:spPr>
+        <p:txBody>
+          <a:bodyPr>
+            <a:normAutofit/>
+          </a:bodyPr>
+          <a:lstStyle/>
+          <a:p>
+            <a:r>
+              <a:rPr lang="en-US" sz="3200" dirty="0" smtClean="0"/>
+              <a:t>Screenshots</a:t>
+            </a:r>
+            <a:endParaRPr lang="en-US" sz="3200" dirty="0"/>
+          </a:p>
+        </p:txBody>
+      </p:sp>
+      <p:sp>
+        <p:nvSpPr>
+          <p:cNvPr id="9" name="TextBox 8"/>
+          <p:cNvSpPr txBox="1"/>
+          <p:nvPr/>
+        </p:nvSpPr>
+        <p:spPr>
+          <a:xfrm>
+            <a:off x="8229600" y="6488668"/>
+            <a:ext cx="1659988" cy="369332"/>
+          </a:xfrm>
+          <a:prstGeom prst="rect">
+            <a:avLst/>
+          </a:prstGeom>
+          <a:noFill/>
+        </p:spPr>
+        <p:txBody>
+          <a:bodyPr wrap="square" rtlCol="0">
+            <a:spAutoFit/>
+          </a:bodyPr>
+          <a:lstStyle/>
+          <a:p>
+            <a:r>
+              <a:rPr lang="en-US" dirty="0" smtClean="0"/>
+              <a:t>Screen:-4</a:t>
+            </a:r>
+            <a:endParaRPr lang="en-US" dirty="0"/>
+          </a:p>
+        </p:txBody>
+      </p:sp>
+      <p:sp>
+        <p:nvSpPr>
+          <p:cNvPr id="10" name="TextBox 9"/>
+          <p:cNvSpPr txBox="1"/>
+          <p:nvPr/>
+        </p:nvSpPr>
+        <p:spPr>
+          <a:xfrm>
+            <a:off x="2321169" y="6483029"/>
+            <a:ext cx="1659988" cy="369332"/>
+          </a:xfrm>
+          <a:prstGeom prst="rect">
+            <a:avLst/>
+          </a:prstGeom>
+          <a:noFill/>
+        </p:spPr>
+        <p:txBody>
+          <a:bodyPr wrap="square" rtlCol="0">
+            <a:spAutoFit/>
+          </a:bodyPr>
+          <a:lstStyle/>
+          <a:p>
+            <a:r>
+              <a:rPr lang="en-US" dirty="0" smtClean="0"/>
+              <a:t>Screen:-3</a:t>
+            </a:r>
+            <a:endParaRPr lang="en-US" dirty="0"/>
+          </a:p>
+        </p:txBody>
+      </p:sp>
+    </p:spTree>
+    <p:extLst>
+      <p:ext uri="{BB962C8B-B14F-4D97-AF65-F5344CB8AC3E}">
+        <p14:creationId xmlns:p14="http://schemas.microsoft.com/office/powerpoint/2010/main" val="1363667924"/>
+      </p:ext>
+    </p:extLst>
+  </p:cSld>
+  <p:clrMapOvr>
+    <a:masterClrMapping/>
+  </p:clrMapOvr>
+</p:sld>
+</file>
+
+<file path=ppt/slides/slide9.xml><?xml version="1.0" encoding="utf-8"?>
 <p:sld xmlns:a="http://schemas.openxmlformats.org/drawingml/2006/main" xmlns:r="http://schemas.openxmlformats.org/officeDocument/2006/relationships" xmlns:p="http://schemas.openxmlformats.org/presentationml/2006/main">
   <p:cSld>
     <p:spTree>
